--- a/AIRBNB NEW USER BOOKING PREDICTION.pptx
+++ b/AIRBNB NEW USER BOOKING PREDICTION.pptx
@@ -29767,7 +29767,7 @@
             </a:pPr>
             <a:r>
               <a:rPr lang="en-US"/>
-              <a:t>Meet our team</a:t>
+              <a:t>Meet part of our team</a:t>
             </a:r>
             <a:endParaRPr/>
           </a:p>
@@ -30125,18 +30125,25 @@
           </a:p>
         </p:txBody>
       </p:sp>
-      <p:sp>
-        <p:nvSpPr>
+      <p:pic>
+        <p:nvPicPr>
           <p:cNvPr id="351" name="Google Shape;351;p11"/>
-          <p:cNvSpPr/>
+          <p:cNvPicPr preferRelativeResize="0"/>
           <p:nvPr>
             <p:ph idx="8" type="pic"/>
           </p:nvPr>
-        </p:nvSpPr>
+        </p:nvPicPr>
+        <p:blipFill rotWithShape="1">
+          <a:blip r:embed="rId5">
+            <a:alphaModFix/>
+          </a:blip>
+          <a:srcRect b="2928" l="0" r="0" t="2918"/>
+          <a:stretch/>
+        </p:blipFill>
         <p:spPr>
           <a:xfrm>
             <a:off x="6277356" y="2193042"/>
-            <a:ext cx="2487168" cy="2103120"/>
+            <a:ext cx="2487300" cy="2103001"/>
           </a:xfrm>
           <a:prstGeom prst="rect">
             <a:avLst/>
@@ -30152,7 +30159,7 @@
             <a:tailEnd len="sm" w="sm" type="none"/>
           </a:ln>
         </p:spPr>
-      </p:sp>
+      </p:pic>
       <p:sp>
         <p:nvSpPr>
           <p:cNvPr id="352" name="Google Shape;352;p11"/>
@@ -30296,7 +30303,7 @@
           </p:nvPr>
         </p:nvPicPr>
         <p:blipFill rotWithShape="1">
-          <a:blip r:embed="rId5">
+          <a:blip r:embed="rId6">
             <a:alphaModFix/>
           </a:blip>
           <a:srcRect b="0" l="702" r="701" t="0"/>
@@ -30305,7 +30312,7 @@
         <p:spPr>
           <a:xfrm>
             <a:off x="9121140" y="2169547"/>
-            <a:ext cx="2487168" cy="2103120"/>
+            <a:ext cx="2487168" cy="2103121"/>
           </a:xfrm>
           <a:prstGeom prst="rect">
             <a:avLst/>
